--- a/Data Structures/slides/COM2067_Chapter5.pptx
+++ b/Data Structures/slides/COM2067_Chapter5.pptx
@@ -233,7 +233,7 @@
             <a:fld id="{3523C565-F6BB-4F42-8E95-4790F5B9E375}" type="datetimeFigureOut">
               <a:rPr lang="tr-TR" smtClean="0"/>
               <a:pPr/>
-              <a:t>5.10.2022</a:t>
+              <a:t>27.10.2020</a:t>
             </a:fld>
             <a:endParaRPr lang="tr-TR"/>
           </a:p>
@@ -5217,7 +5217,7 @@
             <a:fld id="{03CE3403-E2B5-4E8A-89D8-A2C3643C3380}" type="datetime1">
               <a:rPr lang="en-US" smtClean="0"/>
               <a:pPr/>
-              <a:t>10/5/2022</a:t>
+              <a:t>10/27/2020</a:t>
             </a:fld>
             <a:endParaRPr lang="en-US" dirty="0"/>
           </a:p>
@@ -5504,7 +5504,7 @@
             <a:fld id="{636FD9AE-622D-4D6E-B1FA-FF86DCF8EC81}" type="datetime1">
               <a:rPr lang="en-US" smtClean="0"/>
               <a:pPr/>
-              <a:t>10/5/2022</a:t>
+              <a:t>10/27/2020</a:t>
             </a:fld>
             <a:endParaRPr lang="en-US" dirty="0"/>
           </a:p>
@@ -5681,7 +5681,7 @@
             <a:fld id="{A91E7825-6EB5-4069-AE4D-CD6FFECBD5A8}" type="datetime1">
               <a:rPr lang="en-US" smtClean="0"/>
               <a:pPr/>
-              <a:t>10/5/2022</a:t>
+              <a:t>10/27/2020</a:t>
             </a:fld>
             <a:endParaRPr lang="en-US" dirty="0"/>
           </a:p>
@@ -5848,7 +5848,7 @@
             <a:fld id="{04359553-24D1-43E6-A105-C5B7D4915F5D}" type="datetime1">
               <a:rPr lang="en-US" smtClean="0"/>
               <a:pPr/>
-              <a:t>10/5/2022</a:t>
+              <a:t>10/27/2020</a:t>
             </a:fld>
             <a:endParaRPr lang="en-US" dirty="0"/>
           </a:p>
@@ -6091,7 +6091,7 @@
             <a:fld id="{6EDEF120-8076-4A7A-B793-2274FBA28191}" type="datetime1">
               <a:rPr lang="en-US" smtClean="0"/>
               <a:pPr/>
-              <a:t>10/5/2022</a:t>
+              <a:t>10/27/2020</a:t>
             </a:fld>
             <a:endParaRPr lang="en-US" dirty="0"/>
           </a:p>
@@ -6206,7 +6206,7 @@
             <a:fld id="{7894B68B-BF11-44FC-994F-5C1FD159CE2B}" type="datetime1">
               <a:rPr lang="en-US" smtClean="0"/>
               <a:pPr/>
-              <a:t>10/5/2022</a:t>
+              <a:t>10/27/2020</a:t>
             </a:fld>
             <a:endParaRPr lang="en-US" dirty="0"/>
           </a:p>
@@ -6747,7 +6747,7 @@
             <a:fld id="{4D3CC4FA-4925-4400-B613-A21B29FA01B5}" type="datetime1">
               <a:rPr lang="en-US" smtClean="0"/>
               <a:pPr/>
-              <a:t>10/5/2022</a:t>
+              <a:t>10/27/2020</a:t>
             </a:fld>
             <a:endParaRPr lang="en-US" dirty="0"/>
           </a:p>
@@ -6862,7 +6862,7 @@
             <a:fld id="{3561596D-A42C-4123-A2C9-1AA75A8A164E}" type="datetime1">
               <a:rPr lang="en-US" smtClean="0"/>
               <a:pPr/>
-              <a:t>10/5/2022</a:t>
+              <a:t>10/27/2020</a:t>
             </a:fld>
             <a:endParaRPr lang="en-US" dirty="0"/>
           </a:p>
@@ -6954,7 +6954,7 @@
             <a:fld id="{4FFB0925-351C-415F-AE54-F89DB471B483}" type="datetime1">
               <a:rPr lang="en-US" smtClean="0"/>
               <a:pPr/>
-              <a:t>10/5/2022</a:t>
+              <a:t>10/27/2020</a:t>
             </a:fld>
             <a:endParaRPr lang="en-US" dirty="0"/>
           </a:p>
@@ -9607,7 +9607,7 @@
             <a:fld id="{DE271209-091D-4FEB-A8CD-380AAC3CD9EC}" type="datetime1">
               <a:rPr lang="en-US" smtClean="0"/>
               <a:pPr/>
-              <a:t>10/5/2022</a:t>
+              <a:t>10/27/2020</a:t>
             </a:fld>
             <a:endParaRPr lang="en-US" dirty="0"/>
           </a:p>
@@ -12821,7 +12821,7 @@
             <a:fld id="{627B83C6-5B46-4D44-83C2-F3FA9C4C41C5}" type="datetime1">
               <a:rPr lang="en-US" smtClean="0"/>
               <a:pPr/>
-              <a:t>10/5/2022</a:t>
+              <a:t>10/27/2020</a:t>
             </a:fld>
             <a:endParaRPr lang="en-US" dirty="0"/>
           </a:p>
@@ -15645,7 +15645,7 @@
             <a:fld id="{A77C9E0A-1FB2-4327-A4E0-FE2C9CA9BF1A}" type="datetime1">
               <a:rPr lang="en-US" smtClean="0"/>
               <a:pPr/>
-              <a:t>10/5/2022</a:t>
+              <a:t>10/27/2020</a:t>
             </a:fld>
             <a:endParaRPr lang="en-US" dirty="0"/>
           </a:p>
@@ -16166,6 +16166,30 @@
               <a:t>5: Structures</a:t>
             </a:r>
             <a:endParaRPr lang="en-US" b="1" dirty="0"/>
+          </a:p>
+        </p:txBody>
+      </p:sp>
+      <p:sp>
+        <p:nvSpPr>
+          <p:cNvPr id="4" name="3 Slayt Numarası Yer Tutucusu"/>
+          <p:cNvSpPr>
+            <a:spLocks noGrp="1"/>
+          </p:cNvSpPr>
+          <p:nvPr>
+            <p:ph type="sldNum" sz="quarter" idx="12"/>
+          </p:nvPr>
+        </p:nvSpPr>
+        <p:spPr/>
+        <p:txBody>
+          <a:bodyPr/>
+          <a:lstStyle/>
+          <a:p>
+            <a:fld id="{B6F15528-21DE-4FAA-801E-634DDDAF4B2B}" type="slidenum">
+              <a:rPr lang="en-US" smtClean="0"/>
+              <a:pPr/>
+              <a:t>1</a:t>
+            </a:fld>
+            <a:endParaRPr lang="en-US" dirty="0"/>
           </a:p>
         </p:txBody>
       </p:sp>
